--- a/topic04/talk-1/ReactJS_01.pptx
+++ b/topic04/talk-1/ReactJS_01.pptx
@@ -5749,6 +5749,164 @@
               </a:rPr>
               <a:t>The DOM, or Document Object Model, is a programming interface for web documents. It represents the page so that programs </a:t>
             </a:r>
+          </a:p>
+          <a:p>
+            <a:br>
+              <a:rPr lang="en-GB" dirty="0"/>
+            </a:br>
+            <a:r>
+              <a:rPr lang="en-GB" dirty="0"/>
+              <a:t>Imperative programming means explicitly telling the system </a:t>
+            </a:r>
+            <a:r>
+              <a:rPr lang="en-GB" i="1" dirty="0"/>
+              <a:t>how</a:t>
+            </a:r>
+            <a:r>
+              <a:rPr lang="en-GB" dirty="0"/>
+              <a:t> to do something step by step.</a:t>
+            </a:r>
+          </a:p>
+          <a:p>
+            <a:pPr>
+              <a:buFont typeface="Arial" panose="020B0604020202020204" pitchFamily="34" charset="0"/>
+              <a:buChar char="•"/>
+            </a:pPr>
+            <a:r>
+              <a:rPr lang="en-GB" dirty="0"/>
+              <a:t>You manually manipulate the DOM or state.</a:t>
+            </a:r>
+          </a:p>
+          <a:p>
+            <a:pPr>
+              <a:buFont typeface="Arial" panose="020B0604020202020204" pitchFamily="34" charset="0"/>
+              <a:buChar char="•"/>
+            </a:pPr>
+            <a:r>
+              <a:rPr lang="en-GB" dirty="0"/>
+              <a:t>You focus on the </a:t>
+            </a:r>
+            <a:r>
+              <a:rPr lang="en-GB" b="1" dirty="0"/>
+              <a:t>sequence of steps</a:t>
+            </a:r>
+            <a:r>
+              <a:rPr lang="en-GB" dirty="0"/>
+              <a:t> to achieve a result.</a:t>
+            </a:r>
+          </a:p>
+          <a:p>
+            <a:pPr>
+              <a:buFont typeface="Arial" panose="020B0604020202020204" pitchFamily="34" charset="0"/>
+              <a:buChar char="•"/>
+            </a:pPr>
+            <a:r>
+              <a:rPr lang="en-GB" dirty="0"/>
+              <a:t>Example: Using </a:t>
+            </a:r>
+            <a:r>
+              <a:rPr lang="en-GB" dirty="0" err="1"/>
+              <a:t>document.getElementById</a:t>
+            </a:r>
+            <a:r>
+              <a:rPr lang="en-GB" dirty="0"/>
+              <a:t> or </a:t>
+            </a:r>
+            <a:r>
+              <a:rPr lang="en-GB" dirty="0" err="1"/>
+              <a:t>useRef</a:t>
+            </a:r>
+            <a:r>
+              <a:rPr lang="en-GB" dirty="0"/>
+              <a:t> to manually update the DOM.</a:t>
+            </a:r>
+          </a:p>
+          <a:p>
+            <a:br>
+              <a:rPr lang="en-GB" b="0" i="0" dirty="0">
+                <a:solidFill>
+                  <a:srgbClr val="0D0D0D"/>
+                </a:solidFill>
+                <a:effectLst/>
+                <a:latin typeface="Söhne"/>
+              </a:rPr>
+            </a:br>
+            <a:r>
+              <a:rPr lang="en-GB" dirty="0"/>
+              <a:t>Declarative programming means describing </a:t>
+            </a:r>
+            <a:r>
+              <a:rPr lang="en-GB" i="1" dirty="0"/>
+              <a:t>what</a:t>
+            </a:r>
+            <a:r>
+              <a:rPr lang="en-GB" dirty="0"/>
+              <a:t> you want the UI to look like, and React handles updating the DOM for you.</a:t>
+            </a:r>
+          </a:p>
+          <a:p>
+            <a:pPr>
+              <a:buFont typeface="Arial" panose="020B0604020202020204" pitchFamily="34" charset="0"/>
+              <a:buChar char="•"/>
+            </a:pPr>
+            <a:r>
+              <a:rPr lang="en-GB" dirty="0"/>
+              <a:t>You describe the </a:t>
+            </a:r>
+            <a:r>
+              <a:rPr lang="en-GB" b="1" dirty="0"/>
+              <a:t>final state</a:t>
+            </a:r>
+            <a:r>
+              <a:rPr lang="en-GB" dirty="0"/>
+              <a:t> rather than how to achieve it.</a:t>
+            </a:r>
+          </a:p>
+          <a:p>
+            <a:pPr>
+              <a:buFont typeface="Arial" panose="020B0604020202020204" pitchFamily="34" charset="0"/>
+              <a:buChar char="•"/>
+            </a:pPr>
+            <a:r>
+              <a:rPr lang="en-GB" dirty="0"/>
+              <a:t>You focus on </a:t>
+            </a:r>
+            <a:r>
+              <a:rPr lang="en-GB" b="1" dirty="0"/>
+              <a:t>state and data flow</a:t>
+            </a:r>
+            <a:r>
+              <a:rPr lang="en-GB" dirty="0"/>
+              <a:t> instead of direct DOM manipulation.</a:t>
+            </a:r>
+          </a:p>
+          <a:p>
+            <a:pPr>
+              <a:buFont typeface="Arial" panose="020B0604020202020204" pitchFamily="34" charset="0"/>
+              <a:buChar char="•"/>
+            </a:pPr>
+            <a:r>
+              <a:rPr lang="en-GB" dirty="0"/>
+              <a:t>Example: Using </a:t>
+            </a:r>
+            <a:r>
+              <a:rPr lang="en-GB" dirty="0" err="1"/>
+              <a:t>React’s</a:t>
+            </a:r>
+            <a:r>
+              <a:rPr lang="en-GB" dirty="0"/>
+              <a:t> </a:t>
+            </a:r>
+            <a:r>
+              <a:rPr lang="en-GB" dirty="0" err="1"/>
+              <a:t>useState</a:t>
+            </a:r>
+            <a:r>
+              <a:rPr lang="en-GB" dirty="0"/>
+              <a:t> to control UI changes.</a:t>
+            </a:r>
+          </a:p>
+          <a:p>
             <a:endParaRPr lang="en-IE" dirty="0"/>
           </a:p>
         </p:txBody>
